--- a/docs/Presentation.pptx
+++ b/docs/Presentation.pptx
@@ -11020,7 +11020,7 @@
               </a:lnSpc>
             </a:pPr>
             <a:r>
-              <a:rPr lang="en-US" sz="1300" b="1" dirty="0"/>
+              <a:rPr lang="en-US" sz="1100" b="1" dirty="0"/>
               <a:t>Down/Up Ratio vs Idle Mean</a:t>
             </a:r>
           </a:p>
@@ -11030,114 +11030,124 @@
                 <a:spcPct val="130000"/>
               </a:lnSpc>
             </a:pPr>
-            <a:endParaRPr lang="en-US" sz="1300" b="1" dirty="0"/>
-          </a:p>
-          <a:p>
-            <a:pPr marL="285750" indent="-285750">
+            <a:endParaRPr lang="en-US" sz="1100" b="1" dirty="0"/>
+          </a:p>
+          <a:p>
+            <a:pPr marL="171450" indent="-171450">
               <a:lnSpc>
                 <a:spcPct val="130000"/>
               </a:lnSpc>
-              <a:buFontTx/>
-              <a:buChar char="-"/>
+              <a:buFont typeface="Arial" panose="020B0604020202020204" pitchFamily="34" charset="0"/>
+              <a:buChar char="•"/>
             </a:pPr>
             <a:r>
-              <a:rPr lang="en-US" sz="1300" b="1" dirty="0"/>
+              <a:rPr lang="en-US" sz="1100" b="1" dirty="0">
+                <a:solidFill>
+                  <a:srgbClr val="FF0000"/>
+                </a:solidFill>
+              </a:rPr>
               <a:t>DDoS traffic (red)</a:t>
             </a:r>
             <a:r>
-              <a:rPr lang="en-US" sz="1300" dirty="0"/>
-              <a:t> is clustered at specific </a:t>
-            </a:r>
-            <a:r>
-              <a:rPr lang="en-US" sz="1300" b="1" dirty="0"/>
-              <a:t>Down/Up Ratios</a:t>
-            </a:r>
-            <a:r>
-              <a:rPr lang="en-US" sz="1300" dirty="0"/>
-              <a:t> with </a:t>
-            </a:r>
-            <a:r>
-              <a:rPr lang="en-US" sz="1300" b="1" dirty="0"/>
-              <a:t>higher Idle Mean</a:t>
-            </a:r>
-            <a:r>
-              <a:rPr lang="en-US" sz="1300" dirty="0"/>
-              <a:t>.</a:t>
-            </a:r>
-          </a:p>
-          <a:p>
-            <a:pPr marL="285750" indent="-285750">
+              <a:rPr lang="en-US" sz="1100" dirty="0">
+                <a:solidFill>
+                  <a:srgbClr val="FF0000"/>
+                </a:solidFill>
+              </a:rPr>
+              <a:t> </a:t>
+            </a:r>
+            <a:r>
+              <a:rPr lang="en-US" sz="1100" dirty="0"/>
+              <a:t>is clustered at specific Down/Up Ratios with higher Idle Mean.</a:t>
+            </a:r>
+          </a:p>
+          <a:p>
+            <a:pPr marL="171450" indent="-171450">
               <a:lnSpc>
                 <a:spcPct val="130000"/>
               </a:lnSpc>
-              <a:buFontTx/>
-              <a:buChar char="-"/>
+              <a:buFont typeface="Arial" panose="020B0604020202020204" pitchFamily="34" charset="0"/>
+              <a:buChar char="•"/>
             </a:pPr>
             <a:r>
-              <a:rPr lang="en-US" sz="1300" b="1" dirty="0"/>
+              <a:rPr lang="en-US" sz="1100" b="1" dirty="0">
+                <a:solidFill>
+                  <a:srgbClr val="00B050"/>
+                </a:solidFill>
+              </a:rPr>
               <a:t>Benign traffic (green)</a:t>
             </a:r>
             <a:r>
-              <a:rPr lang="en-US" sz="1300" dirty="0"/>
-              <a:t> is more spread out across different values.</a:t>
-            </a:r>
-          </a:p>
-          <a:p>
-            <a:pPr marL="285750" indent="-285750">
+              <a:rPr lang="en-US" sz="1100" dirty="0">
+                <a:solidFill>
+                  <a:srgbClr val="00B050"/>
+                </a:solidFill>
+              </a:rPr>
+              <a:t> </a:t>
+            </a:r>
+            <a:r>
+              <a:rPr lang="en-US" sz="1100" dirty="0"/>
+              <a:t>is more spread out across different values.</a:t>
+            </a:r>
+          </a:p>
+          <a:p>
+            <a:pPr marL="171450" indent="-171450">
               <a:lnSpc>
                 <a:spcPct val="130000"/>
               </a:lnSpc>
-              <a:buFontTx/>
-              <a:buChar char="-"/>
+              <a:buFont typeface="Arial" panose="020B0604020202020204" pitchFamily="34" charset="0"/>
+              <a:buChar char="•"/>
             </a:pPr>
-            <a:endParaRPr lang="en-US" sz="1300" dirty="0"/>
-          </a:p>
-          <a:p>
-            <a:pPr marL="285750" indent="-285750">
+            <a:r>
+              <a:rPr lang="en-US" sz="1100" b="1" dirty="0"/>
+              <a:t>DDoS attacks</a:t>
+            </a:r>
+            <a:r>
+              <a:rPr lang="en-US" sz="1100" dirty="0"/>
+              <a:t> show </a:t>
+            </a:r>
+            <a:r>
+              <a:rPr lang="en-US" sz="1100" b="1" dirty="0"/>
+              <a:t>consistent Down/Up ratios</a:t>
+            </a:r>
+            <a:r>
+              <a:rPr lang="en-US" sz="1100" dirty="0"/>
+              <a:t>, likely due to sending packets at fixed intervals.</a:t>
+            </a:r>
+          </a:p>
+          <a:p>
+            <a:pPr marL="171450" indent="-171450">
               <a:lnSpc>
                 <a:spcPct val="130000"/>
               </a:lnSpc>
-              <a:buFontTx/>
-              <a:buChar char="-"/>
+              <a:buFont typeface="Arial" panose="020B0604020202020204" pitchFamily="34" charset="0"/>
+              <a:buChar char="•"/>
             </a:pPr>
             <a:r>
-              <a:rPr lang="en-US" sz="1300" b="1" dirty="0"/>
-              <a:t>DDoS attacks</a:t>
-            </a:r>
-            <a:r>
-              <a:rPr lang="en-US" sz="1300" dirty="0"/>
-              <a:t> show </a:t>
-            </a:r>
-            <a:r>
-              <a:rPr lang="en-US" sz="1300" b="1" dirty="0"/>
-              <a:t>consistent Down/Up ratios</a:t>
-            </a:r>
-            <a:r>
-              <a:rPr lang="en-US" sz="1300" dirty="0"/>
-              <a:t>, likely due to sending packets at fixed intervals.</a:t>
-            </a:r>
-          </a:p>
-          <a:p>
-            <a:pPr marL="285750" indent="-285750">
+              <a:rPr lang="en-US" sz="1100" dirty="0"/>
+              <a:t>The </a:t>
+            </a:r>
+            <a:r>
+              <a:rPr lang="en-US" sz="1100" b="1" dirty="0"/>
+              <a:t>high Idle Mean</a:t>
+            </a:r>
+            <a:r>
+              <a:rPr lang="en-US" sz="1100" dirty="0"/>
+              <a:t> suggests that during attack periods, there are significant traffic bursts followed by idle times.</a:t>
+            </a:r>
+          </a:p>
+          <a:p>
+            <a:pPr marL="171450" indent="-171450">
               <a:lnSpc>
                 <a:spcPct val="130000"/>
               </a:lnSpc>
-              <a:buFontTx/>
-              <a:buChar char="-"/>
+              <a:buFont typeface="Arial" panose="020B0604020202020204" pitchFamily="34" charset="0"/>
+              <a:buChar char="•"/>
             </a:pPr>
             <a:r>
-              <a:rPr lang="en-US" sz="1300" dirty="0"/>
-              <a:t>The </a:t>
-            </a:r>
-            <a:r>
-              <a:rPr lang="en-US" sz="1300" b="1" dirty="0"/>
-              <a:t>high Idle Mean</a:t>
-            </a:r>
-            <a:r>
-              <a:rPr lang="en-US" sz="1300" dirty="0"/>
-              <a:t> suggests that during attack periods, there are significant traffic bursts followed by idle times.</a:t>
-            </a:r>
-            <a:endParaRPr lang="en-US" sz="1300" b="1" dirty="0"/>
+              <a:rPr lang="en-US" sz="1100" b="1" dirty="0"/>
+              <a:t>Random Forest and Decision trees can capture the structured behavior of attacks</a:t>
+            </a:r>
           </a:p>
         </p:txBody>
       </p:sp>
@@ -12208,8 +12218,8 @@
               <a:lnSpc>
                 <a:spcPct val="130000"/>
               </a:lnSpc>
-              <a:buFontTx/>
-              <a:buChar char="-"/>
+              <a:buFont typeface="Arial" panose="020B0604020202020204" pitchFamily="34" charset="0"/>
+              <a:buChar char="•"/>
             </a:pPr>
             <a:r>
               <a:rPr lang="en-US" sz="1100" dirty="0"/>
@@ -12229,8 +12239,8 @@
               <a:lnSpc>
                 <a:spcPct val="130000"/>
               </a:lnSpc>
-              <a:buFontTx/>
-              <a:buChar char="-"/>
+              <a:buFont typeface="Arial" panose="020B0604020202020204" pitchFamily="34" charset="0"/>
+              <a:buChar char="•"/>
             </a:pPr>
             <a:r>
               <a:rPr lang="en-US" sz="1100" dirty="0"/>
@@ -13397,8 +13407,8 @@
               <a:lnSpc>
                 <a:spcPct val="130000"/>
               </a:lnSpc>
-              <a:buFontTx/>
-              <a:buChar char="-"/>
+              <a:buFont typeface="Arial" panose="020B0604020202020204" pitchFamily="34" charset="0"/>
+              <a:buChar char="•"/>
             </a:pPr>
             <a:r>
               <a:rPr lang="en-US" sz="1200" dirty="0"/>
@@ -13426,8 +13436,8 @@
               <a:lnSpc>
                 <a:spcPct val="130000"/>
               </a:lnSpc>
-              <a:buFontTx/>
-              <a:buChar char="-"/>
+              <a:buFont typeface="Arial" panose="020B0604020202020204" pitchFamily="34" charset="0"/>
+              <a:buChar char="•"/>
             </a:pPr>
             <a:r>
               <a:rPr lang="en-US" sz="1200" b="1" dirty="0"/>
@@ -13451,8 +13461,8 @@
               <a:lnSpc>
                 <a:spcPct val="130000"/>
               </a:lnSpc>
-              <a:buFontTx/>
-              <a:buChar char="-"/>
+              <a:buFont typeface="Arial" panose="020B0604020202020204" pitchFamily="34" charset="0"/>
+              <a:buChar char="•"/>
             </a:pPr>
             <a:r>
               <a:rPr lang="en-US" sz="1200" b="1" dirty="0"/>
@@ -15198,8 +15208,8 @@
               <a:lnSpc>
                 <a:spcPct val="130000"/>
               </a:lnSpc>
-              <a:buFontTx/>
-              <a:buChar char="-"/>
+              <a:buFont typeface="Arial" panose="020B0604020202020204" pitchFamily="34" charset="0"/>
+              <a:buChar char="•"/>
             </a:pPr>
             <a:r>
               <a:rPr lang="en-US" sz="1300" dirty="0"/>
@@ -15211,8 +15221,8 @@
               <a:lnSpc>
                 <a:spcPct val="130000"/>
               </a:lnSpc>
-              <a:buFontTx/>
-              <a:buChar char="-"/>
+              <a:buFont typeface="Arial" panose="020B0604020202020204" pitchFamily="34" charset="0"/>
+              <a:buChar char="•"/>
             </a:pPr>
             <a:r>
               <a:rPr lang="en-US" sz="1300" dirty="0"/>
@@ -15224,8 +15234,8 @@
               <a:lnSpc>
                 <a:spcPct val="130000"/>
               </a:lnSpc>
-              <a:buFontTx/>
-              <a:buChar char="-"/>
+              <a:buFont typeface="Arial" panose="020B0604020202020204" pitchFamily="34" charset="0"/>
+              <a:buChar char="•"/>
             </a:pPr>
             <a:r>
               <a:rPr lang="en-US" sz="1300" dirty="0"/>
@@ -16210,8 +16220,8 @@
           </a:p>
           <a:p>
             <a:pPr marL="285750" indent="-285750">
-              <a:buFont typeface="System Font Regular"/>
-              <a:buChar char="-"/>
+              <a:buFont typeface="Arial" panose="020B0604020202020204" pitchFamily="34" charset="0"/>
+              <a:buChar char="•"/>
             </a:pPr>
             <a:r>
               <a:rPr lang="en-US" sz="1400" dirty="0"/>
@@ -16228,8 +16238,8 @@
           </a:p>
           <a:p>
             <a:pPr marL="285750" indent="-285750">
-              <a:buFont typeface="System Font Regular"/>
-              <a:buChar char="-"/>
+              <a:buFont typeface="Arial" panose="020B0604020202020204" pitchFamily="34" charset="0"/>
+              <a:buChar char="•"/>
             </a:pPr>
             <a:r>
               <a:rPr lang="en-US" sz="1400" b="1" dirty="0"/>
@@ -16242,8 +16252,8 @@
           </a:p>
           <a:p>
             <a:pPr marL="285750" indent="-285750">
-              <a:buFont typeface="System Font Regular"/>
-              <a:buChar char="-"/>
+              <a:buFont typeface="Arial" panose="020B0604020202020204" pitchFamily="34" charset="0"/>
+              <a:buChar char="•"/>
             </a:pPr>
             <a:r>
               <a:rPr lang="en-US" sz="1400" dirty="0"/>
@@ -16252,8 +16262,8 @@
           </a:p>
           <a:p>
             <a:pPr marL="285750" indent="-285750">
-              <a:buFont typeface="System Font Regular"/>
-              <a:buChar char="-"/>
+              <a:buFont typeface="Arial" panose="020B0604020202020204" pitchFamily="34" charset="0"/>
+              <a:buChar char="•"/>
             </a:pPr>
             <a:r>
               <a:rPr lang="en-US" sz="1400" b="1" dirty="0"/>
@@ -16266,8 +16276,8 @@
           </a:p>
           <a:p>
             <a:pPr marL="285750" indent="-285750">
-              <a:buFont typeface="System Font Regular"/>
-              <a:buChar char="-"/>
+              <a:buFont typeface="Arial" panose="020B0604020202020204" pitchFamily="34" charset="0"/>
+              <a:buChar char="•"/>
             </a:pPr>
             <a:r>
               <a:rPr lang="en-US" sz="1400" b="1" dirty="0"/>
@@ -17084,7 +17094,7 @@
         </p:spPr>
         <p:txBody>
           <a:bodyPr anchor="ctr">
-            <a:normAutofit fontScale="70000" lnSpcReduction="20000"/>
+            <a:normAutofit fontScale="62500" lnSpcReduction="20000"/>
           </a:bodyPr>
           <a:lstStyle/>
           <a:p>
@@ -17099,9 +17109,9 @@
             <a:endParaRPr lang="en-US" sz="1400" dirty="0"/>
           </a:p>
           <a:p>
-            <a:pPr marL="285750" indent="-285750">
-              <a:buFont typeface="System Font Regular"/>
-              <a:buChar char="-"/>
+            <a:pPr marL="463550" indent="-231775">
+              <a:buFont typeface="Arial" panose="020B0604020202020204" pitchFamily="34" charset="0"/>
+              <a:buChar char="•"/>
             </a:pPr>
             <a:r>
               <a:rPr lang="en-US" sz="1400" dirty="0"/>
@@ -17117,13 +17127,23 @@
             </a:r>
           </a:p>
           <a:p>
-            <a:pPr marL="285750" indent="-285750">
-              <a:buFont typeface="System Font Regular"/>
-              <a:buChar char="-"/>
+            <a:pPr marL="463550" indent="-231775">
+              <a:buFont typeface="Arial" panose="020B0604020202020204" pitchFamily="34" charset="0"/>
+              <a:buChar char="•"/>
             </a:pPr>
             <a:r>
               <a:rPr lang="en-US" sz="1400" dirty="0"/>
               <a:t>Can be prone to overfitting if not properly tuned.</a:t>
+            </a:r>
+          </a:p>
+          <a:p>
+            <a:pPr marL="463550" indent="-231775">
+              <a:buFont typeface="Arial" panose="020B0604020202020204" pitchFamily="34" charset="0"/>
+              <a:buChar char="•"/>
+            </a:pPr>
+            <a:r>
+              <a:rPr lang="en-US" sz="1400" dirty="0"/>
+              <a:t>Biased towards certain features</a:t>
             </a:r>
           </a:p>
           <a:p>
@@ -17146,12 +17166,12 @@
             </a:r>
           </a:p>
           <a:p>
-            <a:pPr marL="285750" indent="-285750">
+            <a:pPr marL="463550" indent="-231775">
               <a:lnSpc>
                 <a:spcPct val="130000"/>
               </a:lnSpc>
-              <a:buFont typeface="System Font Regular"/>
-              <a:buChar char="-"/>
+              <a:buFont typeface="Arial" panose="020B0604020202020204" pitchFamily="34" charset="0"/>
+              <a:buChar char="•"/>
             </a:pPr>
             <a:r>
               <a:rPr lang="en-US" sz="1400" dirty="0"/>
@@ -17167,12 +17187,12 @@
             </a:r>
           </a:p>
           <a:p>
-            <a:pPr marL="285750" indent="-285750">
+            <a:pPr marL="463550" indent="-231775">
               <a:lnSpc>
                 <a:spcPct val="130000"/>
               </a:lnSpc>
-              <a:buFont typeface="System Font Regular"/>
-              <a:buChar char="-"/>
+              <a:buFont typeface="Arial" panose="020B0604020202020204" pitchFamily="34" charset="0"/>
+              <a:buChar char="•"/>
             </a:pPr>
             <a:r>
               <a:rPr lang="en-US" sz="1400" dirty="0"/>
@@ -17199,9 +17219,9 @@
             </a:r>
           </a:p>
           <a:p>
-            <a:pPr marL="285750" indent="-285750">
-              <a:buFont typeface="System Font Regular"/>
-              <a:buChar char="-"/>
+            <a:pPr marL="463550" indent="-223838">
+              <a:buFont typeface="Arial" panose="020B0604020202020204" pitchFamily="34" charset="0"/>
+              <a:buChar char="•"/>
             </a:pPr>
             <a:r>
               <a:rPr lang="en-US" sz="1400" dirty="0"/>
@@ -17217,9 +17237,9 @@
             </a:r>
           </a:p>
           <a:p>
-            <a:pPr marL="285750" indent="-285750">
-              <a:buFont typeface="System Font Regular"/>
-              <a:buChar char="-"/>
+            <a:pPr marL="463550" indent="-223838">
+              <a:buFont typeface="Arial" panose="020B0604020202020204" pitchFamily="34" charset="0"/>
+              <a:buChar char="•"/>
             </a:pPr>
             <a:r>
               <a:rPr lang="en-US" sz="1400" b="1" dirty="0"/>
@@ -18042,7 +18062,7 @@
         </p:spPr>
         <p:txBody>
           <a:bodyPr anchor="ctr">
-            <a:normAutofit fontScale="62500" lnSpcReduction="20000"/>
+            <a:normAutofit fontScale="55000" lnSpcReduction="20000"/>
           </a:bodyPr>
           <a:lstStyle/>
           <a:p>
@@ -18054,8 +18074,8 @@
           </a:p>
           <a:p>
             <a:pPr marL="742950" lvl="1" indent="-285750">
-              <a:buFont typeface="System Font Regular"/>
-              <a:buChar char="-"/>
+              <a:buFont typeface="Arial" panose="020B0604020202020204" pitchFamily="34" charset="0"/>
+              <a:buChar char="•"/>
             </a:pPr>
             <a:r>
               <a:rPr lang="en-US" dirty="0"/>
@@ -18064,8 +18084,8 @@
           </a:p>
           <a:p>
             <a:pPr marL="742950" lvl="1" indent="-285750">
-              <a:buFont typeface="System Font Regular"/>
-              <a:buChar char="-"/>
+              <a:buFont typeface="Arial" panose="020B0604020202020204" pitchFamily="34" charset="0"/>
+              <a:buChar char="•"/>
             </a:pPr>
             <a:r>
               <a:rPr lang="en-US" dirty="0"/>
@@ -18074,8 +18094,8 @@
           </a:p>
           <a:p>
             <a:pPr marL="742950" lvl="1" indent="-285750">
-              <a:buFont typeface="System Font Regular"/>
-              <a:buChar char="-"/>
+              <a:buFont typeface="Arial" panose="020B0604020202020204" pitchFamily="34" charset="0"/>
+              <a:buChar char="•"/>
             </a:pPr>
             <a:r>
               <a:rPr lang="en-US" dirty="0"/>
@@ -18095,8 +18115,8 @@
           </a:p>
           <a:p>
             <a:pPr marL="742950" lvl="1" indent="-285750">
-              <a:buFont typeface="System Font Regular"/>
-              <a:buChar char="-"/>
+              <a:buFont typeface="Arial" panose="020B0604020202020204" pitchFamily="34" charset="0"/>
+              <a:buChar char="•"/>
             </a:pPr>
             <a:r>
               <a:rPr lang="en-US" b="1" dirty="0" err="1"/>
@@ -18110,8 +18130,8 @@
           </a:p>
           <a:p>
             <a:pPr marL="742950" lvl="1" indent="-285750">
-              <a:buFont typeface="System Font Regular"/>
-              <a:buChar char="-"/>
+              <a:buFont typeface="Arial" panose="020B0604020202020204" pitchFamily="34" charset="0"/>
+              <a:buChar char="•"/>
             </a:pPr>
             <a:r>
               <a:rPr lang="en-US" b="1" dirty="0"/>
@@ -18124,8 +18144,8 @@
           </a:p>
           <a:p>
             <a:pPr marL="742950" lvl="1" indent="-285750">
-              <a:buFont typeface="System Font Regular"/>
-              <a:buChar char="-"/>
+              <a:buFont typeface="Arial" panose="020B0604020202020204" pitchFamily="34" charset="0"/>
+              <a:buChar char="•"/>
             </a:pPr>
             <a:r>
               <a:rPr lang="en-US" b="1" dirty="0"/>
@@ -18150,8 +18170,8 @@
           </a:p>
           <a:p>
             <a:pPr marL="742950" lvl="1" indent="-285750">
-              <a:buFont typeface="System Font Regular"/>
-              <a:buChar char="-"/>
+              <a:buFont typeface="Arial" panose="020B0604020202020204" pitchFamily="34" charset="0"/>
+              <a:buChar char="•"/>
             </a:pPr>
             <a:r>
               <a:rPr lang="en-US" dirty="0"/>
@@ -18160,8 +18180,8 @@
           </a:p>
           <a:p>
             <a:pPr marL="742950" lvl="1" indent="-285750">
-              <a:buFont typeface="System Font Regular"/>
-              <a:buChar char="-"/>
+              <a:buFont typeface="Arial" panose="020B0604020202020204" pitchFamily="34" charset="0"/>
+              <a:buChar char="•"/>
             </a:pPr>
             <a:r>
               <a:rPr lang="en-US" dirty="0"/>
@@ -18170,8 +18190,8 @@
           </a:p>
           <a:p>
             <a:pPr marL="742950" lvl="1" indent="-285750">
-              <a:buFont typeface="System Font Regular"/>
-              <a:buChar char="-"/>
+              <a:buFont typeface="Arial" panose="020B0604020202020204" pitchFamily="34" charset="0"/>
+              <a:buChar char="•"/>
             </a:pPr>
             <a:r>
               <a:rPr lang="en-US" dirty="0"/>
@@ -18180,12 +18200,22 @@
           </a:p>
           <a:p>
             <a:pPr marL="742950" lvl="1" indent="-285750">
-              <a:buFont typeface="System Font Regular"/>
-              <a:buChar char="-"/>
+              <a:buFont typeface="Arial" panose="020B0604020202020204" pitchFamily="34" charset="0"/>
+              <a:buChar char="•"/>
             </a:pPr>
             <a:r>
               <a:rPr lang="en-US" dirty="0"/>
               <a:t>Model artifact storage</a:t>
+            </a:r>
+          </a:p>
+          <a:p>
+            <a:pPr marL="742950" lvl="1" indent="-285750">
+              <a:buFont typeface="Arial" panose="020B0604020202020204" pitchFamily="34" charset="0"/>
+              <a:buChar char="•"/>
+            </a:pPr>
+            <a:r>
+              <a:rPr lang="en-US" dirty="0"/>
+              <a:t>Model API deployment</a:t>
             </a:r>
           </a:p>
           <a:p>
@@ -18395,7 +18425,7 @@
         <p:spPr>
           <a:xfrm>
             <a:off x="914400" y="2496720"/>
-            <a:ext cx="5181599" cy="3467518"/>
+            <a:ext cx="5181599" cy="3746138"/>
           </a:xfrm>
         </p:spPr>
         <p:txBody>
@@ -18405,19 +18435,19 @@
           <a:lstStyle/>
           <a:p>
             <a:r>
-              <a:rPr lang="en-US" sz="1300" b="1" dirty="0"/>
+              <a:rPr lang="en-US" sz="1100" b="1" dirty="0"/>
               <a:t>Confusion Matrix - Test set</a:t>
             </a:r>
           </a:p>
           <a:p>
-            <a:endParaRPr lang="en-US" sz="1300" b="1" dirty="0"/>
-          </a:p>
-          <a:p>
-            <a:r>
-              <a:rPr lang="en-US" sz="1300" b="1" dirty="0"/>
+            <a:endParaRPr lang="en-US" sz="1100" b="1" dirty="0"/>
+          </a:p>
+          <a:p>
+            <a:r>
+              <a:rPr lang="en-US" sz="1100" b="1" dirty="0"/>
               <a:t>Key Insights:</a:t>
             </a:r>
-            <a:endParaRPr lang="en-US" sz="1300" dirty="0"/>
+            <a:endParaRPr lang="en-US" sz="1100" dirty="0"/>
           </a:p>
           <a:p>
             <a:pPr marL="285750" indent="-285750">
@@ -18425,11 +18455,11 @@
               <a:buChar char="•"/>
             </a:pPr>
             <a:r>
-              <a:rPr lang="en-US" sz="1300" b="1" dirty="0"/>
+              <a:rPr lang="en-US" sz="1100" b="1" dirty="0"/>
               <a:t>Extremely low false positive rate</a:t>
             </a:r>
             <a:r>
-              <a:rPr lang="en-US" sz="1300" dirty="0"/>
+              <a:rPr lang="en-US" sz="1100" dirty="0"/>
               <a:t> (only 1 misclassification).</a:t>
             </a:r>
           </a:p>
@@ -18439,19 +18469,19 @@
               <a:buChar char="•"/>
             </a:pPr>
             <a:r>
-              <a:rPr lang="en-US" sz="1300" b="1" dirty="0"/>
+              <a:rPr lang="en-US" sz="1100" b="1" dirty="0"/>
               <a:t>Low false negatives</a:t>
             </a:r>
             <a:r>
-              <a:rPr lang="en-US" sz="1300" dirty="0"/>
+              <a:rPr lang="en-US" sz="1100" dirty="0"/>
               <a:t> (only 14 attacks missed), meaning </a:t>
             </a:r>
             <a:r>
-              <a:rPr lang="en-US" sz="1300" b="1" dirty="0"/>
+              <a:rPr lang="en-US" sz="1100" b="1" dirty="0"/>
               <a:t>almost no attacks bypass detection</a:t>
             </a:r>
             <a:r>
-              <a:rPr lang="en-US" sz="1300" dirty="0"/>
+              <a:rPr lang="en-US" sz="1100" dirty="0"/>
               <a:t>.</a:t>
             </a:r>
           </a:p>
@@ -18461,24 +18491,34 @@
               <a:buChar char="•"/>
             </a:pPr>
             <a:r>
-              <a:rPr lang="en-US" sz="1300" b="1" dirty="0"/>
+              <a:rPr lang="en-US" sz="1100" b="1" dirty="0"/>
               <a:t>Nearly perfect classification</a:t>
             </a:r>
             <a:r>
-              <a:rPr lang="en-US" sz="1300" dirty="0"/>
+              <a:rPr lang="en-US" sz="1100" dirty="0"/>
               <a:t>, reinforcing the </a:t>
             </a:r>
             <a:r>
-              <a:rPr lang="en-US" sz="1300" b="1" dirty="0"/>
+              <a:rPr lang="en-US" sz="1100" b="1" dirty="0"/>
               <a:t>high ROC-AUC score</a:t>
             </a:r>
             <a:r>
-              <a:rPr lang="en-US" sz="1300" dirty="0"/>
+              <a:rPr lang="en-US" sz="1100" dirty="0"/>
               <a:t>.</a:t>
             </a:r>
           </a:p>
           <a:p>
-            <a:endParaRPr lang="en-US" sz="1300" dirty="0"/>
+            <a:pPr marL="285750" indent="-285750">
+              <a:buFont typeface="Arial" panose="020B0604020202020204" pitchFamily="34" charset="0"/>
+              <a:buChar char="•"/>
+            </a:pPr>
+            <a:endParaRPr lang="en-US" sz="1100" dirty="0"/>
+          </a:p>
+          <a:p>
+            <a:r>
+              <a:rPr lang="en-US" sz="1100" dirty="0"/>
+              <a:t>Train and test results are consistent, confirming the model’s generalization</a:t>
+            </a:r>
           </a:p>
           <a:p>
             <a:endParaRPr lang="en-US" sz="1300" b="1" dirty="0"/>
@@ -22473,15 +22513,82 @@
         </p:nvSpPr>
         <p:spPr>
           <a:xfrm>
-            <a:off x="6096000" y="1105232"/>
+            <a:off x="6096000" y="1412803"/>
             <a:ext cx="5176298" cy="4277802"/>
           </a:xfrm>
         </p:spPr>
         <p:txBody>
           <a:bodyPr anchor="ctr">
-            <a:normAutofit/>
+            <a:noAutofit/>
           </a:bodyPr>
           <a:lstStyle/>
+          <a:p>
+            <a:pPr marL="285750" indent="-285750">
+              <a:lnSpc>
+                <a:spcPct val="130000"/>
+              </a:lnSpc>
+              <a:buFont typeface="Wingdings" pitchFamily="2" charset="2"/>
+              <a:buChar char="v"/>
+            </a:pPr>
+            <a:r>
+              <a:rPr lang="en-US" sz="1300" dirty="0"/>
+              <a:t>Increasing prevalence of cyber threats makes network security a crucial concern.</a:t>
+            </a:r>
+          </a:p>
+          <a:p>
+            <a:pPr marL="285750" indent="-285750">
+              <a:lnSpc>
+                <a:spcPct val="130000"/>
+              </a:lnSpc>
+              <a:buFont typeface="Wingdings" pitchFamily="2" charset="2"/>
+              <a:buChar char="v"/>
+            </a:pPr>
+            <a:endParaRPr lang="en-US" sz="1300" dirty="0"/>
+          </a:p>
+          <a:p>
+            <a:pPr marL="285750" indent="-285750">
+              <a:lnSpc>
+                <a:spcPct val="130000"/>
+              </a:lnSpc>
+              <a:buFont typeface="Wingdings" pitchFamily="2" charset="2"/>
+              <a:buChar char="v"/>
+            </a:pPr>
+            <a:r>
+              <a:rPr lang="en-US" sz="1300" dirty="0"/>
+              <a:t>Distributed Denial-of-Service (DDoS) attacks can severely disrupt services</a:t>
+            </a:r>
+          </a:p>
+          <a:p>
+            <a:pPr marL="285750" indent="-285750">
+              <a:lnSpc>
+                <a:spcPct val="130000"/>
+              </a:lnSpc>
+              <a:buFont typeface="Wingdings" pitchFamily="2" charset="2"/>
+              <a:buChar char="v"/>
+            </a:pPr>
+            <a:endParaRPr lang="en-US" sz="1300" dirty="0"/>
+          </a:p>
+          <a:p>
+            <a:pPr marL="285750" indent="-285750">
+              <a:lnSpc>
+                <a:spcPct val="130000"/>
+              </a:lnSpc>
+              <a:buFont typeface="Wingdings" pitchFamily="2" charset="2"/>
+              <a:buChar char="v"/>
+            </a:pPr>
+            <a:r>
+              <a:rPr lang="en-US" sz="1300" dirty="0"/>
+              <a:t>This work aims to develop an </a:t>
+            </a:r>
+            <a:r>
+              <a:rPr lang="en-US" sz="1300" b="1" dirty="0"/>
+              <a:t>AI-powered DDoS detection system</a:t>
+            </a:r>
+            <a:r>
+              <a:rPr lang="en-US" sz="1300" dirty="0"/>
+              <a:t> that classifies network traffic in near real-time</a:t>
+            </a:r>
+          </a:p>
           <a:p>
             <a:pPr marL="285750" indent="-285750">
               <a:lnSpc>
@@ -22490,74 +22597,7 @@
               <a:buFontTx/>
               <a:buChar char="-"/>
             </a:pPr>
-            <a:r>
-              <a:rPr lang="en-US" sz="1100" dirty="0"/>
-              <a:t>Increasing prevalence of cyber threats makes network security a crucial concern.</a:t>
-            </a:r>
-          </a:p>
-          <a:p>
-            <a:pPr marL="285750" indent="-285750">
-              <a:lnSpc>
-                <a:spcPct val="130000"/>
-              </a:lnSpc>
-              <a:buFontTx/>
-              <a:buChar char="-"/>
-            </a:pPr>
-            <a:endParaRPr lang="en-US" sz="1100" dirty="0"/>
-          </a:p>
-          <a:p>
-            <a:pPr marL="285750" indent="-285750">
-              <a:lnSpc>
-                <a:spcPct val="130000"/>
-              </a:lnSpc>
-              <a:buFontTx/>
-              <a:buChar char="-"/>
-            </a:pPr>
-            <a:r>
-              <a:rPr lang="en-US" sz="1100" dirty="0"/>
-              <a:t>Distributed Denial-of-Service (DDoS) attacks can severely disrupt services</a:t>
-            </a:r>
-          </a:p>
-          <a:p>
-            <a:pPr marL="285750" indent="-285750">
-              <a:lnSpc>
-                <a:spcPct val="130000"/>
-              </a:lnSpc>
-              <a:buFontTx/>
-              <a:buChar char="-"/>
-            </a:pPr>
-            <a:endParaRPr lang="en-US" sz="1100" dirty="0"/>
-          </a:p>
-          <a:p>
-            <a:pPr marL="285750" indent="-285750">
-              <a:lnSpc>
-                <a:spcPct val="130000"/>
-              </a:lnSpc>
-              <a:buFontTx/>
-              <a:buChar char="-"/>
-            </a:pPr>
-            <a:r>
-              <a:rPr lang="en-US" sz="1100" dirty="0"/>
-              <a:t>This work aims to develop an </a:t>
-            </a:r>
-            <a:r>
-              <a:rPr lang="en-US" sz="1100" b="1" dirty="0"/>
-              <a:t>AI-powered DDoS detection system</a:t>
-            </a:r>
-            <a:r>
-              <a:rPr lang="en-US" sz="1100" dirty="0"/>
-              <a:t> that classifies network traffic in near real-time</a:t>
-            </a:r>
-          </a:p>
-          <a:p>
-            <a:pPr marL="285750" indent="-285750">
-              <a:lnSpc>
-                <a:spcPct val="130000"/>
-              </a:lnSpc>
-              <a:buFontTx/>
-              <a:buChar char="-"/>
-            </a:pPr>
-            <a:endParaRPr lang="en-US" sz="1100" dirty="0"/>
+            <a:endParaRPr lang="en-US" sz="1300" dirty="0"/>
           </a:p>
           <a:p>
             <a:pPr>
@@ -22565,7 +22605,7 @@
                 <a:spcPct val="130000"/>
               </a:lnSpc>
             </a:pPr>
-            <a:endParaRPr lang="en-US" sz="1100" dirty="0"/>
+            <a:endParaRPr lang="en-US" sz="1300" dirty="0"/>
           </a:p>
           <a:p>
             <a:pPr>
@@ -22573,7 +22613,18 @@
                 <a:spcPct val="130000"/>
               </a:lnSpc>
             </a:pPr>
-            <a:endParaRPr lang="en-US" sz="1100" dirty="0"/>
+            <a:r>
+              <a:rPr lang="en-US" sz="1300" dirty="0"/>
+              <a:t>Goal: </a:t>
+            </a:r>
+            <a:r>
+              <a:rPr lang="en-US" sz="1300" b="1" dirty="0"/>
+              <a:t>Classify traffic as either 'Benign’ or 	'DDoS' attack</a:t>
+            </a:r>
+            <a:r>
+              <a:rPr lang="en-US" sz="1300" dirty="0"/>
+              <a:t> with high accuracy</a:t>
+            </a:r>
           </a:p>
           <a:p>
             <a:pPr>
@@ -22581,26 +22632,7 @@
                 <a:spcPct val="130000"/>
               </a:lnSpc>
             </a:pPr>
-            <a:r>
-              <a:rPr lang="en-US" sz="1100" dirty="0"/>
-              <a:t>- Goal: </a:t>
-            </a:r>
-            <a:r>
-              <a:rPr lang="en-US" sz="1100" b="1" dirty="0"/>
-              <a:t>Classify traffic as either 'Benign' or 'DDoS' attack</a:t>
-            </a:r>
-            <a:r>
-              <a:rPr lang="en-US" sz="1100" dirty="0"/>
-              <a:t> with high accuracy</a:t>
-            </a:r>
-          </a:p>
-          <a:p>
-            <a:pPr>
-              <a:lnSpc>
-                <a:spcPct val="130000"/>
-              </a:lnSpc>
-            </a:pPr>
-            <a:endParaRPr lang="en-US" sz="1100" dirty="0"/>
+            <a:endParaRPr lang="en-US" sz="1300" dirty="0"/>
           </a:p>
         </p:txBody>
       </p:sp>
@@ -25011,12 +25043,10 @@
           </a:bodyPr>
           <a:lstStyle/>
           <a:p>
-            <a:pPr marL="285750" indent="-285750">
+            <a:pPr>
               <a:lnSpc>
                 <a:spcPct val="130000"/>
               </a:lnSpc>
-              <a:buFontTx/>
-              <a:buChar char="-"/>
             </a:pPr>
             <a:r>
               <a:rPr lang="en-US" sz="1700" dirty="0"/>
@@ -25273,7 +25303,7 @@
         <p:spPr>
           <a:xfrm>
             <a:off x="914400" y="2496720"/>
-            <a:ext cx="5181599" cy="3467518"/>
+            <a:ext cx="6014986" cy="3467518"/>
           </a:xfrm>
         </p:spPr>
         <p:txBody>
@@ -25282,12 +25312,12 @@
           </a:bodyPr>
           <a:lstStyle/>
           <a:p>
-            <a:pPr marL="285750" indent="-285750">
+            <a:pPr marL="171450" indent="-171450">
               <a:lnSpc>
                 <a:spcPct val="90000"/>
               </a:lnSpc>
-              <a:buFontTx/>
-              <a:buChar char="-"/>
+              <a:buFont typeface="Arial" panose="020B0604020202020204" pitchFamily="34" charset="0"/>
+              <a:buChar char="•"/>
             </a:pPr>
             <a:r>
               <a:rPr lang="en-US" sz="1000" dirty="0"/>
@@ -25295,12 +25325,12 @@
             </a:r>
           </a:p>
           <a:p>
-            <a:pPr marL="285750" indent="-285750">
+            <a:pPr marL="171450" indent="-171450">
               <a:lnSpc>
                 <a:spcPct val="90000"/>
               </a:lnSpc>
-              <a:buFontTx/>
-              <a:buChar char="-"/>
+              <a:buFont typeface="Arial" panose="020B0604020202020204" pitchFamily="34" charset="0"/>
+              <a:buChar char="•"/>
             </a:pPr>
             <a:r>
               <a:rPr lang="en-US" sz="1000" dirty="0"/>
@@ -25308,12 +25338,12 @@
             </a:r>
           </a:p>
           <a:p>
-            <a:pPr marL="285750" indent="-285750">
+            <a:pPr marL="171450" indent="-171450">
               <a:lnSpc>
                 <a:spcPct val="90000"/>
               </a:lnSpc>
-              <a:buFontTx/>
-              <a:buChar char="-"/>
+              <a:buFont typeface="Arial" panose="020B0604020202020204" pitchFamily="34" charset="0"/>
+              <a:buChar char="•"/>
             </a:pPr>
             <a:r>
               <a:rPr lang="en-US" sz="1000" dirty="0"/>
@@ -25321,22 +25351,22 @@
             </a:r>
           </a:p>
           <a:p>
-            <a:pPr marL="285750" indent="-285750">
+            <a:pPr marL="171450" indent="-171450">
               <a:lnSpc>
                 <a:spcPct val="90000"/>
               </a:lnSpc>
-              <a:buFontTx/>
-              <a:buChar char="-"/>
+              <a:buFont typeface="Arial" panose="020B0604020202020204" pitchFamily="34" charset="0"/>
+              <a:buChar char="•"/>
             </a:pPr>
             <a:endParaRPr lang="en-US" sz="1000" dirty="0"/>
           </a:p>
           <a:p>
-            <a:pPr marL="285750" indent="-285750">
+            <a:pPr marL="171450" indent="-171450">
               <a:lnSpc>
                 <a:spcPct val="90000"/>
               </a:lnSpc>
-              <a:buFontTx/>
-              <a:buChar char="-"/>
+              <a:buFont typeface="Arial" panose="020B0604020202020204" pitchFamily="34" charset="0"/>
+              <a:buChar char="•"/>
             </a:pPr>
             <a:r>
               <a:rPr lang="en-US" sz="1000" dirty="0"/>
@@ -25344,7 +25374,7 @@
             </a:r>
           </a:p>
           <a:p>
-            <a:pPr lvl="6">
+            <a:pPr marL="687388" lvl="6" indent="-115888">
               <a:lnSpc>
                 <a:spcPct val="90000"/>
               </a:lnSpc>
@@ -25361,7 +25391,7 @@
             </a:r>
           </a:p>
           <a:p>
-            <a:pPr lvl="6">
+            <a:pPr marL="687388" lvl="6" indent="-115888">
               <a:lnSpc>
                 <a:spcPct val="90000"/>
               </a:lnSpc>
@@ -25378,26 +25408,36 @@
             </a:r>
           </a:p>
           <a:p>
-            <a:pPr marL="285750" indent="-285750">
-              <a:lnSpc>
-                <a:spcPct val="90000"/>
-              </a:lnSpc>
-              <a:buFontTx/>
-              <a:buChar char="-"/>
-            </a:pPr>
-            <a:r>
-              <a:rPr lang="en-US" sz="1000" dirty="0"/>
-              <a:t>Feature Composition:</a:t>
-            </a:r>
-          </a:p>
-          <a:p>
-            <a:pPr marL="2205990" lvl="5" indent="-285750">
+            <a:pPr marL="687388" lvl="6" indent="-115888">
               <a:lnSpc>
                 <a:spcPct val="90000"/>
               </a:lnSpc>
               <a:buFont typeface="Wingdings" pitchFamily="2" charset="2"/>
               <a:buChar char="§"/>
             </a:pPr>
+            <a:endParaRPr lang="en-US" sz="1000" i="0" dirty="0"/>
+          </a:p>
+          <a:p>
+            <a:pPr marL="171450" indent="-171450">
+              <a:lnSpc>
+                <a:spcPct val="90000"/>
+              </a:lnSpc>
+              <a:buFont typeface="Arial" panose="020B0604020202020204" pitchFamily="34" charset="0"/>
+              <a:buChar char="•"/>
+            </a:pPr>
+            <a:r>
+              <a:rPr lang="en-US" sz="1000" dirty="0"/>
+              <a:t>Feature Composition:</a:t>
+            </a:r>
+          </a:p>
+          <a:p>
+            <a:pPr marL="687388" lvl="5" indent="-115888">
+              <a:lnSpc>
+                <a:spcPct val="90000"/>
+              </a:lnSpc>
+              <a:buFont typeface="Wingdings" pitchFamily="2" charset="2"/>
+              <a:buChar char="§"/>
+            </a:pPr>
             <a:r>
               <a:rPr lang="en-US" sz="1000" b="1" dirty="0"/>
               <a:t>80 numerical </a:t>
@@ -25408,7 +25448,7 @@
             </a:r>
           </a:p>
           <a:p>
-            <a:pPr marL="2205990" lvl="5" indent="-285750">
+            <a:pPr marL="687388" lvl="5" indent="-115888">
               <a:lnSpc>
                 <a:spcPct val="90000"/>
               </a:lnSpc>
@@ -27087,9 +27127,9 @@
           </a:bodyPr>
           <a:lstStyle/>
           <a:p>
-            <a:pPr marL="285750" indent="-285750">
-              <a:buFontTx/>
-              <a:buChar char="-"/>
+            <a:pPr marL="171450" indent="-171450">
+              <a:buFont typeface="Arial" panose="020B0604020202020204" pitchFamily="34" charset="0"/>
+              <a:buChar char="•"/>
             </a:pPr>
             <a:r>
               <a:rPr lang="en-US" sz="1200" dirty="0"/>
@@ -27097,9 +27137,9 @@
             </a:r>
           </a:p>
           <a:p>
-            <a:pPr marL="285750" indent="-285750">
-              <a:buFontTx/>
-              <a:buChar char="-"/>
+            <a:pPr marL="171450" indent="-171450">
+              <a:buFont typeface="Arial" panose="020B0604020202020204" pitchFamily="34" charset="0"/>
+              <a:buChar char="•"/>
             </a:pPr>
             <a:r>
               <a:rPr lang="en-US" sz="1200" dirty="0"/>
@@ -27111,9 +27151,9 @@
             </a:r>
           </a:p>
           <a:p>
-            <a:pPr marL="285750" indent="-285750">
-              <a:buFontTx/>
-              <a:buChar char="-"/>
+            <a:pPr marL="171450" indent="-171450">
+              <a:buFont typeface="Arial" panose="020B0604020202020204" pitchFamily="34" charset="0"/>
+              <a:buChar char="•"/>
             </a:pPr>
             <a:r>
               <a:rPr lang="en-US" sz="1200" dirty="0"/>
@@ -27125,9 +27165,9 @@
             </a:r>
           </a:p>
           <a:p>
-            <a:pPr marL="285750" indent="-285750">
-              <a:buFontTx/>
-              <a:buChar char="-"/>
+            <a:pPr marL="171450" indent="-171450">
+              <a:buFont typeface="Arial" panose="020B0604020202020204" pitchFamily="34" charset="0"/>
+              <a:buChar char="•"/>
             </a:pPr>
             <a:r>
               <a:rPr lang="en-US" sz="1200" dirty="0"/>
@@ -27147,7 +27187,7 @@
             </a:r>
           </a:p>
           <a:p>
-            <a:pPr marL="2205990" lvl="5" indent="-285750">
+            <a:pPr marL="746125" lvl="5" indent="-115888">
               <a:buFontTx/>
               <a:buChar char="-"/>
             </a:pPr>
@@ -27358,7 +27398,7 @@
               </a:lnSpc>
             </a:pPr>
             <a:r>
-              <a:rPr lang="en-US" sz="1300" b="1" dirty="0"/>
+              <a:rPr lang="en-US" sz="1100" b="1" dirty="0"/>
               <a:t>Packet Length Mean vs. Average Packet Size</a:t>
             </a:r>
           </a:p>
@@ -27368,43 +27408,35 @@
                 <a:spcPct val="130000"/>
               </a:lnSpc>
             </a:pPr>
-            <a:endParaRPr lang="en-US" sz="1300" b="1" dirty="0"/>
+            <a:endParaRPr lang="en-US" sz="1100" b="1" dirty="0"/>
           </a:p>
           <a:p>
             <a:pPr marL="285750" indent="-285750">
               <a:lnSpc>
                 <a:spcPct val="130000"/>
               </a:lnSpc>
-              <a:buFontTx/>
-              <a:buChar char="-"/>
+              <a:buFont typeface="Arial" panose="020B0604020202020204" pitchFamily="34" charset="0"/>
+              <a:buChar char="•"/>
             </a:pPr>
             <a:r>
-              <a:rPr lang="en-US" sz="1300" dirty="0"/>
-              <a:t>Strong </a:t>
-            </a:r>
-            <a:r>
-              <a:rPr lang="en-US" sz="1300" b="1" dirty="0"/>
-              <a:t>linear correlation</a:t>
-            </a:r>
-            <a:r>
-              <a:rPr lang="en-US" sz="1300" dirty="0"/>
-              <a:t> between </a:t>
-            </a:r>
-            <a:r>
-              <a:rPr lang="en-US" sz="1300" b="1" dirty="0"/>
-              <a:t>packet length mean</a:t>
-            </a:r>
-            <a:r>
-              <a:rPr lang="en-US" sz="1300" dirty="0"/>
-              <a:t> and </a:t>
-            </a:r>
-            <a:r>
-              <a:rPr lang="en-US" sz="1300" b="1" dirty="0"/>
-              <a:t>average packet size</a:t>
-            </a:r>
-            <a:r>
-              <a:rPr lang="en-US" sz="1300" dirty="0"/>
-              <a:t>.</a:t>
+              <a:rPr lang="en-US" sz="1100" b="1" dirty="0">
+                <a:solidFill>
+                  <a:srgbClr val="0070C0"/>
+                </a:solidFill>
+              </a:rPr>
+              <a:t>BENIGN traffic (blue)</a:t>
+            </a:r>
+            <a:r>
+              <a:rPr lang="en-US" sz="1100" dirty="0">
+                <a:solidFill>
+                  <a:srgbClr val="0070C0"/>
+                </a:solidFill>
+              </a:rPr>
+              <a:t> </a:t>
+            </a:r>
+            <a:r>
+              <a:rPr lang="en-US" sz="1100" dirty="0"/>
+              <a:t>follows a linear trend.</a:t>
             </a:r>
           </a:p>
           <a:p>
@@ -27412,16 +27444,28 @@
               <a:lnSpc>
                 <a:spcPct val="130000"/>
               </a:lnSpc>
-              <a:buFontTx/>
-              <a:buChar char="-"/>
+              <a:buFont typeface="Arial" panose="020B0604020202020204" pitchFamily="34" charset="0"/>
+              <a:buChar char="•"/>
             </a:pPr>
             <a:r>
-              <a:rPr lang="en-US" sz="1300" b="1" dirty="0"/>
-              <a:t>BENIGN traffic (blue)</a:t>
-            </a:r>
-            <a:r>
-              <a:rPr lang="en-US" sz="1300" dirty="0"/>
-              <a:t> follows a linear trend.</a:t>
+              <a:rPr lang="en-US" sz="1100" b="1" dirty="0">
+                <a:solidFill>
+                  <a:srgbClr val="D57900"/>
+                </a:solidFill>
+              </a:rPr>
+              <a:t>DDoS traffic (orange)</a:t>
+            </a:r>
+            <a:r>
+              <a:rPr lang="en-US" sz="1100" dirty="0">
+                <a:solidFill>
+                  <a:srgbClr val="D57900"/>
+                </a:solidFill>
+              </a:rPr>
+              <a:t> </a:t>
+            </a:r>
+            <a:r>
+              <a:rPr lang="en-US" sz="1100" dirty="0"/>
+              <a:t>shows non-linear trend showing variations in packet sizes.</a:t>
             </a:r>
           </a:p>
           <a:p>
@@ -27429,16 +27473,28 @@
               <a:lnSpc>
                 <a:spcPct val="130000"/>
               </a:lnSpc>
-              <a:buFontTx/>
-              <a:buChar char="-"/>
+              <a:buFont typeface="Arial" panose="020B0604020202020204" pitchFamily="34" charset="0"/>
+              <a:buChar char="•"/>
             </a:pPr>
             <a:r>
-              <a:rPr lang="en-US" sz="1300" b="1" dirty="0"/>
-              <a:t>DDoS traffic (orange)</a:t>
-            </a:r>
-            <a:r>
-              <a:rPr lang="en-US" sz="1300" dirty="0"/>
-              <a:t> mildly deviates from this trend, showing variations in packet sizes within attack traffic.</a:t>
+              <a:rPr lang="en-US" sz="1100" dirty="0"/>
+              <a:t>The </a:t>
+            </a:r>
+            <a:r>
+              <a:rPr lang="en-US" sz="1100" b="1" dirty="0"/>
+              <a:t>linear relationship </a:t>
+            </a:r>
+            <a:r>
+              <a:rPr lang="en-US" sz="1100" dirty="0"/>
+              <a:t>suggests that normal traffic follows expected transmission behavior, but </a:t>
+            </a:r>
+            <a:r>
+              <a:rPr lang="en-US" sz="1100" b="1" dirty="0"/>
+              <a:t>DDoS traffic introduced variations</a:t>
+            </a:r>
+            <a:r>
+              <a:rPr lang="en-US" sz="1100" dirty="0"/>
+              <a:t>.</a:t>
             </a:r>
           </a:p>
           <a:p>
@@ -27446,38 +27502,28 @@
               <a:lnSpc>
                 <a:spcPct val="130000"/>
               </a:lnSpc>
-              <a:buFontTx/>
-              <a:buChar char="-"/>
+              <a:buFont typeface="Arial" panose="020B0604020202020204" pitchFamily="34" charset="0"/>
+              <a:buChar char="•"/>
             </a:pPr>
-            <a:endParaRPr lang="en-US" sz="100" dirty="0"/>
-          </a:p>
-          <a:p>
-            <a:pPr marL="285750" indent="-285750">
-              <a:lnSpc>
-                <a:spcPct val="130000"/>
-              </a:lnSpc>
-              <a:buFontTx/>
-              <a:buChar char="-"/>
-            </a:pPr>
-            <a:r>
-              <a:rPr lang="en-US" sz="1300" dirty="0"/>
-              <a:t>The </a:t>
-            </a:r>
-            <a:r>
-              <a:rPr lang="en-US" sz="1300" b="1" dirty="0"/>
-              <a:t>linear relationship </a:t>
-            </a:r>
-            <a:r>
-              <a:rPr lang="en-US" sz="1300" dirty="0"/>
-              <a:t>suggests that normal traffic follows expected transmission behavior, but </a:t>
-            </a:r>
-            <a:r>
-              <a:rPr lang="en-US" sz="1300" b="1" dirty="0"/>
-              <a:t>DDoS traffic introduced variations</a:t>
-            </a:r>
-            <a:r>
-              <a:rPr lang="en-US" sz="1300" dirty="0"/>
-              <a:t>.</a:t>
+            <a:r>
+              <a:rPr lang="en-US" sz="1100" dirty="0"/>
+              <a:t>Linear models like logistic regression struggle with such non-linear relationships, making </a:t>
+            </a:r>
+            <a:r>
+              <a:rPr lang="en-US" sz="1100" b="1" dirty="0"/>
+              <a:t>tree-based models a better choice</a:t>
+            </a:r>
+            <a:r>
+              <a:rPr lang="en-US" sz="1100" dirty="0"/>
+              <a:t> as they can </a:t>
+            </a:r>
+            <a:r>
+              <a:rPr lang="en-US" sz="1100" b="1" dirty="0"/>
+              <a:t>handle irregular patterns </a:t>
+            </a:r>
+            <a:r>
+              <a:rPr lang="en-US" sz="1100" dirty="0"/>
+              <a:t>effectively.</a:t>
             </a:r>
           </a:p>
         </p:txBody>
@@ -28540,7 +28586,7 @@
         </p:spPr>
         <p:txBody>
           <a:bodyPr anchor="t">
-            <a:normAutofit fontScale="92500"/>
+            <a:normAutofit fontScale="85000" lnSpcReduction="10000"/>
           </a:bodyPr>
           <a:lstStyle/>
           <a:p>
@@ -28567,8 +28613,8 @@
               <a:lnSpc>
                 <a:spcPct val="130000"/>
               </a:lnSpc>
-              <a:buFontTx/>
-              <a:buChar char="-"/>
+              <a:buFont typeface="Arial" panose="020B0604020202020204" pitchFamily="34" charset="0"/>
+              <a:buChar char="•"/>
             </a:pPr>
             <a:r>
               <a:rPr lang="en-US" sz="1300" dirty="0"/>
@@ -28580,24 +28626,36 @@
               <a:lnSpc>
                 <a:spcPct val="130000"/>
               </a:lnSpc>
-              <a:buFontTx/>
-              <a:buChar char="-"/>
+              <a:buFont typeface="Arial" panose="020B0604020202020204" pitchFamily="34" charset="0"/>
+              <a:buChar char="•"/>
             </a:pPr>
             <a:r>
               <a:rPr lang="en-US" sz="1300" dirty="0"/>
               <a:t>Some </a:t>
             </a:r>
             <a:r>
+              <a:rPr lang="en-US" sz="1300" b="1" dirty="0">
+                <a:solidFill>
+                  <a:srgbClr val="D57900"/>
+                </a:solidFill>
+              </a:rPr>
+              <a:t>DDoS points (orange)</a:t>
+            </a:r>
+            <a:r>
+              <a:rPr lang="en-US" sz="1300" dirty="0">
+                <a:solidFill>
+                  <a:srgbClr val="D57900"/>
+                </a:solidFill>
+              </a:rPr>
+              <a:t> </a:t>
+            </a:r>
+            <a:r>
+              <a:rPr lang="en-US" sz="1300" dirty="0"/>
+              <a:t>show higher </a:t>
+            </a:r>
+            <a:r>
               <a:rPr lang="en-US" sz="1300" b="1" dirty="0"/>
-              <a:t>DDoS points (orange)</a:t>
-            </a:r>
-            <a:r>
-              <a:rPr lang="en-US" sz="1300" dirty="0"/>
-              <a:t> show </a:t>
-            </a:r>
-            <a:r>
-              <a:rPr lang="en-US" sz="1300" b="1" dirty="0"/>
-              <a:t>higher Flow Packets/s</a:t>
+              <a:t>Flow Packets/s</a:t>
             </a:r>
             <a:r>
               <a:rPr lang="en-US" sz="1300" dirty="0"/>
@@ -28605,11 +28663,11 @@
             </a:r>
             <a:r>
               <a:rPr lang="en-US" sz="1300" b="1" dirty="0"/>
-              <a:t>attack traffic</a:t>
+              <a:t>attack</a:t>
             </a:r>
             <a:r>
               <a:rPr lang="en-US" sz="1300" dirty="0"/>
-              <a:t>.</a:t>
+              <a:t> traffic.</a:t>
             </a:r>
           </a:p>
           <a:p>
@@ -28617,12 +28675,20 @@
               <a:lnSpc>
                 <a:spcPct val="130000"/>
               </a:lnSpc>
-              <a:buFontTx/>
-              <a:buChar char="-"/>
+              <a:buFont typeface="Arial" panose="020B0604020202020204" pitchFamily="34" charset="0"/>
+              <a:buChar char="•"/>
             </a:pPr>
             <a:r>
               <a:rPr lang="en-US" sz="1300" dirty="0"/>
-              <a:t>Some outliers exist with extremely high </a:t>
+              <a:t>Some outliers exist with extremely </a:t>
+            </a:r>
+            <a:r>
+              <a:rPr lang="en-US" sz="1300" b="1" dirty="0"/>
+              <a:t>high</a:t>
+            </a:r>
+            <a:r>
+              <a:rPr lang="en-US" sz="1300" dirty="0"/>
+              <a:t> </a:t>
             </a:r>
             <a:r>
               <a:rPr lang="en-US" sz="1300" b="1" dirty="0"/>
@@ -28630,16 +28696,42 @@
             </a:r>
             <a:r>
               <a:rPr lang="en-US" sz="1300" dirty="0"/>
-              <a:t>, potentially representing </a:t>
+              <a:t>, potentially representing high-volume</a:t>
             </a:r>
             <a:r>
               <a:rPr lang="en-US" sz="1300" b="1" dirty="0"/>
-              <a:t>high-volume attacks</a:t>
+              <a:t> attacks</a:t>
             </a:r>
             <a:r>
               <a:rPr lang="en-US" sz="1300" dirty="0"/>
               <a:t>.</a:t>
             </a:r>
+          </a:p>
+          <a:p>
+            <a:pPr marL="285750" indent="-285750">
+              <a:lnSpc>
+                <a:spcPct val="130000"/>
+              </a:lnSpc>
+              <a:buFont typeface="Arial" panose="020B0604020202020204" pitchFamily="34" charset="0"/>
+              <a:buChar char="•"/>
+            </a:pPr>
+            <a:r>
+              <a:rPr lang="en-US" sz="1300" b="1" dirty="0"/>
+              <a:t>Tree based models </a:t>
+            </a:r>
+            <a:r>
+              <a:rPr lang="en-US" sz="1300" dirty="0"/>
+              <a:t>handles such structured attack behaviors by </a:t>
+            </a:r>
+            <a:r>
+              <a:rPr lang="en-US" sz="1300" b="1" dirty="0"/>
+              <a:t>creating decision boundaries that separate normal and attack flows</a:t>
+            </a:r>
+            <a:r>
+              <a:rPr lang="en-US" sz="1300" dirty="0"/>
+              <a:t>.</a:t>
+            </a:r>
+            <a:endParaRPr lang="en-US" sz="1300" b="1" dirty="0"/>
           </a:p>
         </p:txBody>
       </p:sp>
@@ -29701,7 +29793,7 @@
         </p:spPr>
         <p:txBody>
           <a:bodyPr anchor="t">
-            <a:normAutofit/>
+            <a:normAutofit lnSpcReduction="10000"/>
           </a:bodyPr>
           <a:lstStyle/>
           <a:p>
@@ -29711,7 +29803,7 @@
               </a:lnSpc>
             </a:pPr>
             <a:r>
-              <a:rPr lang="en-US" sz="1400" b="1" dirty="0"/>
+              <a:rPr lang="en-US" sz="1100" b="1" dirty="0"/>
               <a:t>Down/Up Ratio vs. Packet Length Variance</a:t>
             </a:r>
           </a:p>
@@ -29721,67 +29813,147 @@
                 <a:spcPct val="130000"/>
               </a:lnSpc>
             </a:pPr>
-            <a:endParaRPr lang="en-US" sz="1400" b="1" dirty="0"/>
-          </a:p>
-          <a:p>
-            <a:pPr marL="285750" indent="-285750">
+            <a:endParaRPr lang="en-US" sz="1100" b="1" dirty="0"/>
+          </a:p>
+          <a:p>
+            <a:pPr marL="171450" indent="-171450">
               <a:lnSpc>
                 <a:spcPct val="130000"/>
               </a:lnSpc>
-              <a:buFontTx/>
-              <a:buChar char="-"/>
+              <a:buFont typeface="Arial" panose="020B0604020202020204" pitchFamily="34" charset="0"/>
+              <a:buChar char="•"/>
             </a:pPr>
             <a:r>
-              <a:rPr lang="en-US" sz="1400" b="1" dirty="0"/>
+              <a:rPr lang="en-US" sz="1100" b="1" dirty="0">
+                <a:solidFill>
+                  <a:srgbClr val="D57900"/>
+                </a:solidFill>
+              </a:rPr>
               <a:t>DDoS traffic (orange)</a:t>
             </a:r>
             <a:r>
-              <a:rPr lang="en-US" sz="1400" dirty="0"/>
-              <a:t> appears more concentrated at specific </a:t>
-            </a:r>
-            <a:r>
-              <a:rPr lang="en-US" sz="1400" b="1" dirty="0"/>
+              <a:rPr lang="en-US" sz="1100" dirty="0">
+                <a:solidFill>
+                  <a:srgbClr val="D57900"/>
+                </a:solidFill>
+              </a:rPr>
+              <a:t> </a:t>
+            </a:r>
+            <a:r>
+              <a:rPr lang="en-US" sz="1100" dirty="0"/>
+              <a:t>appears more concentrated at specific </a:t>
+            </a:r>
+            <a:r>
+              <a:rPr lang="en-US" sz="1100" b="1" dirty="0"/>
               <a:t>Down/Up ratio values</a:t>
             </a:r>
             <a:r>
-              <a:rPr lang="en-US" sz="1400" dirty="0"/>
+              <a:rPr lang="en-US" sz="1100" dirty="0"/>
               <a:t>.</a:t>
             </a:r>
           </a:p>
           <a:p>
-            <a:pPr marL="285750" indent="-285750">
+            <a:pPr marL="171450" indent="-171450">
               <a:lnSpc>
                 <a:spcPct val="130000"/>
               </a:lnSpc>
-              <a:buFontTx/>
-              <a:buChar char="-"/>
+              <a:buFont typeface="Arial" panose="020B0604020202020204" pitchFamily="34" charset="0"/>
+              <a:buChar char="•"/>
             </a:pPr>
             <a:r>
-              <a:rPr lang="en-US" sz="1400" b="1" dirty="0"/>
-              <a:t>Higher packet length variance</a:t>
-            </a:r>
-            <a:r>
-              <a:rPr lang="en-US" sz="1400" dirty="0"/>
-              <a:t> for DDoS traffic suggests irregular patterns in packet sizes.</a:t>
-            </a:r>
-          </a:p>
-          <a:p>
-            <a:pPr marL="285750" indent="-285750">
+              <a:rPr lang="en-US" sz="1100" dirty="0"/>
+              <a:t>Higher</a:t>
+            </a:r>
+            <a:r>
+              <a:rPr lang="en-US" sz="1100" b="1" dirty="0"/>
+              <a:t> packet length variance</a:t>
+            </a:r>
+            <a:r>
+              <a:rPr lang="en-US" sz="1100" dirty="0"/>
+              <a:t> for DDoS traffic suggests </a:t>
+            </a:r>
+            <a:r>
+              <a:rPr lang="en-US" sz="1100" b="1" dirty="0"/>
+              <a:t>irregular patterns </a:t>
+            </a:r>
+            <a:r>
+              <a:rPr lang="en-US" sz="1100" dirty="0"/>
+              <a:t>in packet sizes.</a:t>
+            </a:r>
+          </a:p>
+          <a:p>
+            <a:pPr marL="171450" indent="-171450">
               <a:lnSpc>
                 <a:spcPct val="130000"/>
               </a:lnSpc>
-              <a:buFontTx/>
-              <a:buChar char="-"/>
+              <a:buFont typeface="Arial" panose="020B0604020202020204" pitchFamily="34" charset="0"/>
+              <a:buChar char="•"/>
             </a:pPr>
             <a:r>
-              <a:rPr lang="en-US" sz="1400" b="1" dirty="0"/>
+              <a:rPr lang="en-US" sz="1100" b="1" dirty="0">
+                <a:solidFill>
+                  <a:srgbClr val="0070C0"/>
+                </a:solidFill>
+              </a:rPr>
               <a:t>BENIGN traffic (blue)</a:t>
             </a:r>
             <a:r>
-              <a:rPr lang="en-US" sz="1400" dirty="0"/>
-              <a:t> is more spread out, showing a more balanced network behavior.</a:t>
-            </a:r>
-            <a:endParaRPr lang="en-US" sz="1400" b="1" dirty="0"/>
+              <a:rPr lang="en-US" sz="1100" dirty="0">
+                <a:solidFill>
+                  <a:srgbClr val="0070C0"/>
+                </a:solidFill>
+              </a:rPr>
+              <a:t> </a:t>
+            </a:r>
+            <a:r>
+              <a:rPr lang="en-US" sz="1100" dirty="0"/>
+              <a:t>is more </a:t>
+            </a:r>
+            <a:r>
+              <a:rPr lang="en-US" sz="1100" b="1" dirty="0"/>
+              <a:t>spread</a:t>
+            </a:r>
+            <a:r>
+              <a:rPr lang="en-US" sz="1100" dirty="0"/>
+              <a:t> </a:t>
+            </a:r>
+            <a:r>
+              <a:rPr lang="en-US" sz="1100" b="1" dirty="0"/>
+              <a:t>out</a:t>
+            </a:r>
+            <a:r>
+              <a:rPr lang="en-US" sz="1100" dirty="0"/>
+              <a:t>, showing a more </a:t>
+            </a:r>
+            <a:r>
+              <a:rPr lang="en-US" sz="1100" b="1" dirty="0"/>
+              <a:t>balanced</a:t>
+            </a:r>
+            <a:r>
+              <a:rPr lang="en-US" sz="1100" dirty="0"/>
+              <a:t> network behavior.</a:t>
+            </a:r>
+          </a:p>
+          <a:p>
+            <a:pPr marL="171450" indent="-171450">
+              <a:lnSpc>
+                <a:spcPct val="130000"/>
+              </a:lnSpc>
+              <a:buFont typeface="Arial" panose="020B0604020202020204" pitchFamily="34" charset="0"/>
+              <a:buChar char="•"/>
+            </a:pPr>
+            <a:r>
+              <a:rPr lang="en-US" sz="1100" dirty="0"/>
+              <a:t>The structured attack behavior means that </a:t>
+            </a:r>
+            <a:r>
+              <a:rPr lang="en-US" sz="1100" b="1" dirty="0"/>
+              <a:t>rule-based splitting can create distinct partitions to separate attack traffic</a:t>
+            </a:r>
+            <a:r>
+              <a:rPr lang="en-US" sz="1100" dirty="0"/>
+              <a:t>, whereas models assuming continuous distributions (e.g., SVM) may struggle to generalize well.</a:t>
+            </a:r>
           </a:p>
         </p:txBody>
       </p:sp>
@@ -30843,7 +31015,7 @@
         </p:spPr>
         <p:txBody>
           <a:bodyPr anchor="t">
-            <a:normAutofit lnSpcReduction="10000"/>
+            <a:normAutofit/>
           </a:bodyPr>
           <a:lstStyle/>
           <a:p>
@@ -30853,119 +31025,131 @@
               </a:lnSpc>
             </a:pPr>
             <a:r>
-              <a:rPr lang="en-US" sz="1300" b="1" dirty="0"/>
+              <a:rPr lang="en-US" sz="1100" b="1" dirty="0"/>
               <a:t>Flow Bytes/s vs Packet Length Mean</a:t>
             </a:r>
           </a:p>
           <a:p>
-            <a:pPr>
+            <a:pPr marL="171450" indent="-171450">
               <a:lnSpc>
                 <a:spcPct val="130000"/>
               </a:lnSpc>
+              <a:buFont typeface="Arial" panose="020B0604020202020204" pitchFamily="34" charset="0"/>
+              <a:buChar char="•"/>
             </a:pPr>
-            <a:endParaRPr lang="en-US" sz="1300" b="1" dirty="0"/>
-          </a:p>
-          <a:p>
-            <a:pPr marL="285750" indent="-285750">
+            <a:endParaRPr lang="en-US" sz="1100" b="1" dirty="0"/>
+          </a:p>
+          <a:p>
+            <a:pPr marL="171450" indent="-171450">
               <a:lnSpc>
                 <a:spcPct val="130000"/>
               </a:lnSpc>
-              <a:buFontTx/>
-              <a:buChar char="-"/>
+              <a:buFont typeface="Arial" panose="020B0604020202020204" pitchFamily="34" charset="0"/>
+              <a:buChar char="•"/>
             </a:pPr>
             <a:r>
-              <a:rPr lang="en-US" sz="1300" dirty="0"/>
+              <a:rPr lang="en-US" sz="1100" dirty="0"/>
               <a:t>Most </a:t>
             </a:r>
             <a:r>
-              <a:rPr lang="en-US" sz="1300" b="1" dirty="0"/>
+              <a:rPr lang="en-US" sz="1100" b="1" dirty="0">
+                <a:solidFill>
+                  <a:srgbClr val="FF0000"/>
+                </a:solidFill>
+              </a:rPr>
               <a:t>DDoS points (red)</a:t>
             </a:r>
             <a:r>
-              <a:rPr lang="en-US" sz="1300" dirty="0"/>
-              <a:t> are concentrated at </a:t>
-            </a:r>
-            <a:r>
-              <a:rPr lang="en-US" sz="1300" b="1" dirty="0"/>
+              <a:rPr lang="en-US" sz="1100" dirty="0">
+                <a:solidFill>
+                  <a:srgbClr val="FF0000"/>
+                </a:solidFill>
+              </a:rPr>
+              <a:t> </a:t>
+            </a:r>
+            <a:r>
+              <a:rPr lang="en-US" sz="1100" dirty="0"/>
+              <a:t>are concentrated at </a:t>
+            </a:r>
+            <a:r>
+              <a:rPr lang="en-US" sz="1100" b="1" dirty="0"/>
               <a:t>low Flow Bytes/s</a:t>
             </a:r>
             <a:r>
-              <a:rPr lang="en-US" sz="1300" dirty="0"/>
+              <a:rPr lang="en-US" sz="1100" dirty="0"/>
               <a:t> and </a:t>
             </a:r>
             <a:r>
-              <a:rPr lang="en-US" sz="1300" b="1" dirty="0"/>
+              <a:rPr lang="en-US" sz="1100" b="1" dirty="0"/>
               <a:t>low Packet Length Mean</a:t>
             </a:r>
             <a:r>
-              <a:rPr lang="en-US" sz="1300" dirty="0"/>
+              <a:rPr lang="en-US" sz="1100" dirty="0"/>
               <a:t>.</a:t>
             </a:r>
-          </a:p>
-          <a:p>
-            <a:pPr marL="285750" indent="-285750">
+            <a:endParaRPr lang="en-US" sz="1100" b="1" dirty="0"/>
+          </a:p>
+          <a:p>
+            <a:pPr marL="171450" indent="-171450">
               <a:lnSpc>
                 <a:spcPct val="130000"/>
               </a:lnSpc>
-              <a:buFontTx/>
-              <a:buChar char="-"/>
+              <a:buFont typeface="Arial" panose="020B0604020202020204" pitchFamily="34" charset="0"/>
+              <a:buChar char="•"/>
             </a:pPr>
             <a:r>
-              <a:rPr lang="en-US" sz="1300" dirty="0"/>
-              <a:t>Some extreme outliers exist with </a:t>
-            </a:r>
-            <a:r>
-              <a:rPr lang="en-US" sz="1300" b="1" dirty="0"/>
-              <a:t>high Packet Length Mean</a:t>
-            </a:r>
-            <a:r>
-              <a:rPr lang="en-US" sz="1300" dirty="0"/>
-              <a:t>, likely representing </a:t>
-            </a:r>
-            <a:r>
-              <a:rPr lang="en-US" sz="1300" b="1" dirty="0"/>
-              <a:t>malicious traffic bursts</a:t>
-            </a:r>
-            <a:r>
-              <a:rPr lang="en-US" sz="1300" dirty="0"/>
+              <a:rPr lang="en-US" sz="1100" b="1" dirty="0"/>
+              <a:t>DDoS attacks</a:t>
+            </a:r>
+            <a:r>
+              <a:rPr lang="en-US" sz="1100" dirty="0"/>
+              <a:t> often involve </a:t>
+            </a:r>
+            <a:r>
+              <a:rPr lang="en-US" sz="1100" b="1" dirty="0"/>
+              <a:t>high packet rates but smaller packet sizes</a:t>
+            </a:r>
+            <a:r>
+              <a:rPr lang="en-US" sz="1100" dirty="0"/>
               <a:t>.</a:t>
             </a:r>
           </a:p>
           <a:p>
-            <a:pPr marL="285750" indent="-285750">
+            <a:pPr marL="171450" indent="-171450">
               <a:lnSpc>
                 <a:spcPct val="130000"/>
               </a:lnSpc>
-              <a:buFontTx/>
-              <a:buChar char="-"/>
+              <a:buFont typeface="Arial" panose="020B0604020202020204" pitchFamily="34" charset="0"/>
+              <a:buChar char="•"/>
             </a:pPr>
-            <a:endParaRPr lang="en-US" sz="1300" b="1" dirty="0"/>
-          </a:p>
-          <a:p>
-            <a:pPr marL="285750" indent="-285750">
-              <a:lnSpc>
-                <a:spcPct val="130000"/>
-              </a:lnSpc>
-              <a:buFontTx/>
-              <a:buChar char="-"/>
-            </a:pPr>
-            <a:r>
-              <a:rPr lang="en-US" sz="1400" b="1" dirty="0"/>
-              <a:t>DDoS attacks</a:t>
-            </a:r>
-            <a:r>
-              <a:rPr lang="en-US" sz="1400" dirty="0"/>
-              <a:t> often involve </a:t>
-            </a:r>
-            <a:r>
-              <a:rPr lang="en-US" sz="1400" b="1" dirty="0"/>
-              <a:t>high packet rates but smaller packet sizes</a:t>
-            </a:r>
-            <a:r>
-              <a:rPr lang="en-US" sz="1400" dirty="0"/>
-              <a:t>.</a:t>
-            </a:r>
-            <a:endParaRPr lang="en-US" sz="1300" b="1" dirty="0"/>
+            <a:r>
+              <a:rPr lang="en-US" sz="1100" dirty="0"/>
+              <a:t>Having outliers and structured attack bursts, tree-based methods like </a:t>
+            </a:r>
+            <a:r>
+              <a:rPr lang="en-US" sz="1100" b="1" dirty="0"/>
+              <a:t>Random Forest and </a:t>
+            </a:r>
+            <a:r>
+              <a:rPr lang="en-US" sz="1100" b="1" dirty="0" err="1"/>
+              <a:t>XGBoost</a:t>
+            </a:r>
+            <a:r>
+              <a:rPr lang="en-US" sz="1100" b="1" dirty="0"/>
+              <a:t> </a:t>
+            </a:r>
+            <a:r>
+              <a:rPr lang="en-US" sz="1100" dirty="0"/>
+              <a:t>are robust as they </a:t>
+            </a:r>
+            <a:r>
+              <a:rPr lang="en-US" sz="1100" b="1" dirty="0"/>
+              <a:t>handle extreme variations</a:t>
+            </a:r>
+            <a:r>
+              <a:rPr lang="en-US" sz="1100" dirty="0"/>
+              <a:t> well and do not assume normal distributions</a:t>
+            </a:r>
           </a:p>
         </p:txBody>
       </p:sp>
